--- a/docs/datapath.pptx
+++ b/docs/datapath.pptx
@@ -11095,8 +11095,8 @@
         </p:nvCxnSpPr>
         <p:spPr>
           <a:xfrm>
-            <a:off x="9151199" y="4591852"/>
-            <a:ext cx="2117910" cy="0"/>
+            <a:off x="8985628" y="4591852"/>
+            <a:ext cx="2283481" cy="0"/>
           </a:xfrm>
           <a:prstGeom prst="straightConnector1">
             <a:avLst/>
@@ -12511,13 +12511,17 @@
         </p:nvCxnSpPr>
         <p:spPr>
           <a:xfrm flipH="1">
-            <a:off x="8986090" y="5224907"/>
-            <a:ext cx="161299" cy="0"/>
+            <a:off x="8985816" y="5224907"/>
+            <a:ext cx="161574" cy="0"/>
           </a:xfrm>
           <a:prstGeom prst="line">
             <a:avLst/>
           </a:prstGeom>
-          <a:ln w="19050"/>
+          <a:ln w="19050">
+            <a:solidFill>
+              <a:srgbClr val="00B050"/>
+            </a:solidFill>
+          </a:ln>
         </p:spPr>
         <p:style>
           <a:lnRef idx="1">
@@ -13457,49 +13461,6 @@
               <a:srgbClr val="7030A0"/>
             </a:solidFill>
             <a:tailEnd type="triangle"/>
-          </a:ln>
-        </p:spPr>
-        <p:style>
-          <a:lnRef idx="1">
-            <a:schemeClr val="dk1"/>
-          </a:lnRef>
-          <a:fillRef idx="0">
-            <a:schemeClr val="dk1"/>
-          </a:fillRef>
-          <a:effectRef idx="0">
-            <a:schemeClr val="dk1"/>
-          </a:effectRef>
-          <a:fontRef idx="minor">
-            <a:schemeClr val="tx1"/>
-          </a:fontRef>
-        </p:style>
-      </p:cxnSp>
-      <p:cxnSp>
-        <p:nvCxnSpPr>
-          <p:cNvPr id="323" name="直线连接符 315">
-            <a:extLst>
-              <a:ext uri="{FF2B5EF4-FFF2-40B4-BE49-F238E27FC236}">
-                <a16:creationId xmlns:a16="http://schemas.microsoft.com/office/drawing/2014/main" id="{C5C4B4EC-8C7F-4E65-9238-8D636E67C7C0}"/>
-              </a:ext>
-            </a:extLst>
-          </p:cNvPr>
-          <p:cNvCxnSpPr>
-            <a:cxnSpLocks/>
-          </p:cNvCxnSpPr>
-          <p:nvPr/>
-        </p:nvCxnSpPr>
-        <p:spPr>
-          <a:xfrm>
-            <a:off x="8994531" y="4591573"/>
-            <a:ext cx="156668" cy="0"/>
-          </a:xfrm>
-          <a:prstGeom prst="line">
-            <a:avLst/>
-          </a:prstGeom>
-          <a:ln w="19050">
-            <a:solidFill>
-              <a:srgbClr val="00B050"/>
-            </a:solidFill>
           </a:ln>
         </p:spPr>
         <p:style>
